--- a/Research_presentation.pptx
+++ b/Research_presentation.pptx
@@ -3629,7 +3629,7 @@
         <p:spPr>
           <a:xfrm>
             <a:off x="838200" y="2131998"/>
-            <a:ext cx="5317067" cy="2523768"/>
+            <a:ext cx="5317067" cy="2831544"/>
           </a:xfrm>
           <a:prstGeom prst="rect">
             <a:avLst/>
@@ -3664,8 +3664,13 @@
             </a:pPr>
             <a:r>
               <a:rPr lang="en-US" sz="2000" dirty="0"/>
-              <a:t>Potential of development of blockchain</a:t>
-            </a:r>
+              <a:t>Potential of development of blockchain(due </a:t>
+            </a:r>
+            <a:r>
+              <a:rPr lang="en-US" sz="2000"/>
+              <a:t>to novelty)</a:t>
+            </a:r>
+            <a:endParaRPr lang="en-US" sz="2000" dirty="0"/>
           </a:p>
           <a:p>
             <a:pPr marL="285750" indent="-285750">
@@ -4411,8 +4416,8 @@
         </p:blipFill>
         <p:spPr bwMode="auto">
           <a:xfrm>
-            <a:off x="1710267" y="259277"/>
-            <a:ext cx="8585200" cy="5917686"/>
+            <a:off x="2091267" y="610659"/>
+            <a:ext cx="7772400" cy="5357432"/>
           </a:xfrm>
           <a:prstGeom prst="rect">
             <a:avLst/>
